--- a/开题-1.pptx
+++ b/开题-1.pptx
@@ -14153,1716 +14153,30 @@
           </a:p>
         </p:txBody>
       </p:sp>
-      <p:grpSp>
-        <p:nvGrpSpPr>
-          <p:cNvPr id="34" name="组合 33"/>
-          <p:cNvGrpSpPr/>
+      <p:pic>
+        <p:nvPicPr>
+          <p:cNvPr id="26" name="图片 25" descr="图片1"/>
+          <p:cNvPicPr>
+            <a:picLocks noChangeAspect="1"/>
+          </p:cNvPicPr>
           <p:nvPr/>
-        </p:nvGrpSpPr>
-        <p:grpSpPr>
-          <a:xfrm>
-            <a:off x="2286000" y="2144395"/>
-            <a:ext cx="4539615" cy="4234815"/>
-            <a:chOff x="3360" y="3377"/>
-            <a:chExt cx="7149" cy="6669"/>
-          </a:xfrm>
-        </p:grpSpPr>
-        <p:grpSp>
-          <p:nvGrpSpPr>
-            <p:cNvPr id="29" name="组合 28"/>
-            <p:cNvGrpSpPr/>
-            <p:nvPr/>
-          </p:nvGrpSpPr>
-          <p:grpSpPr>
-            <a:xfrm>
-              <a:off x="3387" y="3377"/>
-              <a:ext cx="7122" cy="6669"/>
-              <a:chOff x="3360" y="3377"/>
-              <a:chExt cx="7122" cy="6669"/>
-            </a:xfrm>
-          </p:grpSpPr>
-          <p:grpSp>
-            <p:nvGrpSpPr>
-              <p:cNvPr id="83" name="组合 82"/>
-              <p:cNvGrpSpPr/>
-              <p:nvPr/>
-            </p:nvGrpSpPr>
-            <p:grpSpPr>
-              <a:xfrm>
-                <a:off x="4323" y="3377"/>
-                <a:ext cx="5649" cy="5844"/>
-                <a:chOff x="11040" y="1272"/>
-                <a:chExt cx="5649" cy="5844"/>
-              </a:xfrm>
-              <a:scene3d>
-                <a:camera prst="isometricTopUp"/>
-                <a:lightRig rig="threePt" dir="t"/>
-              </a:scene3d>
-            </p:grpSpPr>
-            <p:sp>
-              <p:nvSpPr>
-                <p:cNvPr id="59" name="矩形 58"/>
-                <p:cNvSpPr/>
-                <p:nvPr/>
-              </p:nvSpPr>
-              <p:spPr>
-                <a:xfrm>
-                  <a:off x="13585" y="1272"/>
-                  <a:ext cx="559" cy="5648"/>
-                </a:xfrm>
-                <a:prstGeom prst="rect">
-                  <a:avLst/>
-                </a:prstGeom>
-                <a:solidFill>
-                  <a:schemeClr val="tx1">
-                    <a:lumMod val="75000"/>
-                    <a:lumOff val="25000"/>
-                  </a:schemeClr>
-                </a:solidFill>
-                <a:ln>
-                  <a:noFill/>
-                </a:ln>
-              </p:spPr>
-              <p:style>
-                <a:lnRef idx="2">
-                  <a:schemeClr val="accent1">
-                    <a:lumMod val="75000"/>
-                  </a:schemeClr>
-                </a:lnRef>
-                <a:fillRef idx="1">
-                  <a:schemeClr val="accent1"/>
-                </a:fillRef>
-                <a:effectRef idx="0">
-                  <a:srgbClr val="FFFFFF"/>
-                </a:effectRef>
-                <a:fontRef idx="minor">
-                  <a:schemeClr val="lt1"/>
-                </a:fontRef>
-              </p:style>
-              <p:txBody>
-                <a:bodyPr rtlCol="0" anchor="ctr"/>
-                <a:p>
-                  <a:pPr algn="ctr"/>
-                  <a:endParaRPr lang="zh-CN" altLang="en-US"/>
-                </a:p>
-              </p:txBody>
-            </p:sp>
-            <p:sp>
-              <p:nvSpPr>
-                <p:cNvPr id="61" name="矩形 60"/>
-                <p:cNvSpPr/>
-                <p:nvPr/>
-              </p:nvSpPr>
-              <p:spPr>
-                <a:xfrm>
-                  <a:off x="12009" y="1272"/>
-                  <a:ext cx="559" cy="5648"/>
-                </a:xfrm>
-                <a:prstGeom prst="rect">
-                  <a:avLst/>
-                </a:prstGeom>
-                <a:solidFill>
-                  <a:schemeClr val="tx1">
-                    <a:lumMod val="75000"/>
-                    <a:lumOff val="25000"/>
-                  </a:schemeClr>
-                </a:solidFill>
-                <a:ln>
-                  <a:noFill/>
-                </a:ln>
-              </p:spPr>
-              <p:style>
-                <a:lnRef idx="2">
-                  <a:schemeClr val="accent1">
-                    <a:lumMod val="75000"/>
-                  </a:schemeClr>
-                </a:lnRef>
-                <a:fillRef idx="1">
-                  <a:schemeClr val="accent1"/>
-                </a:fillRef>
-                <a:effectRef idx="0">
-                  <a:srgbClr val="FFFFFF"/>
-                </a:effectRef>
-                <a:fontRef idx="minor">
-                  <a:schemeClr val="lt1"/>
-                </a:fontRef>
-              </p:style>
-              <p:txBody>
-                <a:bodyPr rtlCol="0" anchor="ctr"/>
-                <a:p>
-                  <a:pPr algn="ctr"/>
-                  <a:endParaRPr lang="zh-CN" altLang="en-US"/>
-                </a:p>
-              </p:txBody>
-            </p:sp>
-            <p:sp>
-              <p:nvSpPr>
-                <p:cNvPr id="62" name="矩形 61"/>
-                <p:cNvSpPr/>
-                <p:nvPr/>
-              </p:nvSpPr>
-              <p:spPr>
-                <a:xfrm>
-                  <a:off x="15161" y="1272"/>
-                  <a:ext cx="559" cy="5648"/>
-                </a:xfrm>
-                <a:prstGeom prst="rect">
-                  <a:avLst/>
-                </a:prstGeom>
-                <a:solidFill>
-                  <a:schemeClr val="tx1">
-                    <a:lumMod val="75000"/>
-                    <a:lumOff val="25000"/>
-                  </a:schemeClr>
-                </a:solidFill>
-                <a:ln>
-                  <a:noFill/>
-                </a:ln>
-              </p:spPr>
-              <p:style>
-                <a:lnRef idx="2">
-                  <a:schemeClr val="accent1">
-                    <a:lumMod val="75000"/>
-                  </a:schemeClr>
-                </a:lnRef>
-                <a:fillRef idx="1">
-                  <a:schemeClr val="accent1"/>
-                </a:fillRef>
-                <a:effectRef idx="0">
-                  <a:srgbClr val="FFFFFF"/>
-                </a:effectRef>
-                <a:fontRef idx="minor">
-                  <a:schemeClr val="lt1"/>
-                </a:fontRef>
-              </p:style>
-              <p:txBody>
-                <a:bodyPr rtlCol="0" anchor="ctr"/>
-                <a:p>
-                  <a:pPr algn="ctr"/>
-                  <a:endParaRPr lang="zh-CN" altLang="en-US"/>
-                </a:p>
-              </p:txBody>
-            </p:sp>
-            <p:sp>
-              <p:nvSpPr>
-                <p:cNvPr id="63" name="矩形 62"/>
-                <p:cNvSpPr/>
-                <p:nvPr/>
-              </p:nvSpPr>
-              <p:spPr>
-                <a:xfrm rot="5400000">
-                  <a:off x="13585" y="-448"/>
-                  <a:ext cx="559" cy="5648"/>
-                </a:xfrm>
-                <a:prstGeom prst="rect">
-                  <a:avLst/>
-                </a:prstGeom>
-                <a:solidFill>
-                  <a:schemeClr val="tx1">
-                    <a:lumMod val="75000"/>
-                    <a:lumOff val="25000"/>
-                  </a:schemeClr>
-                </a:solidFill>
-                <a:ln>
-                  <a:noFill/>
-                </a:ln>
-              </p:spPr>
-              <p:style>
-                <a:lnRef idx="2">
-                  <a:schemeClr val="accent1">
-                    <a:lumMod val="75000"/>
-                  </a:schemeClr>
-                </a:lnRef>
-                <a:fillRef idx="1">
-                  <a:schemeClr val="accent1"/>
-                </a:fillRef>
-                <a:effectRef idx="0">
-                  <a:srgbClr val="FFFFFF"/>
-                </a:effectRef>
-                <a:fontRef idx="minor">
-                  <a:schemeClr val="lt1"/>
-                </a:fontRef>
-              </p:style>
-              <p:txBody>
-                <a:bodyPr rtlCol="0" anchor="ctr"/>
-                <a:p>
-                  <a:pPr algn="ctr"/>
-                  <a:endParaRPr lang="zh-CN" altLang="en-US"/>
-                </a:p>
-              </p:txBody>
-            </p:sp>
-            <p:sp>
-              <p:nvSpPr>
-                <p:cNvPr id="64" name="矩形 63"/>
-                <p:cNvSpPr/>
-                <p:nvPr/>
-              </p:nvSpPr>
-              <p:spPr>
-                <a:xfrm rot="5400000">
-                  <a:off x="13585" y="1272"/>
-                  <a:ext cx="559" cy="5648"/>
-                </a:xfrm>
-                <a:prstGeom prst="rect">
-                  <a:avLst/>
-                </a:prstGeom>
-                <a:solidFill>
-                  <a:schemeClr val="tx1">
-                    <a:lumMod val="75000"/>
-                    <a:lumOff val="25000"/>
-                  </a:schemeClr>
-                </a:solidFill>
-                <a:ln>
-                  <a:noFill/>
-                </a:ln>
-              </p:spPr>
-              <p:style>
-                <a:lnRef idx="2">
-                  <a:schemeClr val="accent1">
-                    <a:lumMod val="75000"/>
-                  </a:schemeClr>
-                </a:lnRef>
-                <a:fillRef idx="1">
-                  <a:schemeClr val="accent1"/>
-                </a:fillRef>
-                <a:effectRef idx="0">
-                  <a:srgbClr val="FFFFFF"/>
-                </a:effectRef>
-                <a:fontRef idx="minor">
-                  <a:schemeClr val="lt1"/>
-                </a:fontRef>
-              </p:style>
-              <p:txBody>
-                <a:bodyPr rtlCol="0" anchor="ctr"/>
-                <a:p>
-                  <a:pPr algn="ctr"/>
-                  <a:endParaRPr lang="zh-CN" altLang="en-US"/>
-                </a:p>
-              </p:txBody>
-            </p:sp>
-            <p:sp>
-              <p:nvSpPr>
-                <p:cNvPr id="65" name="矩形 64"/>
-                <p:cNvSpPr/>
-                <p:nvPr/>
-              </p:nvSpPr>
-              <p:spPr>
-                <a:xfrm rot="5400000">
-                  <a:off x="13585" y="2992"/>
-                  <a:ext cx="559" cy="5648"/>
-                </a:xfrm>
-                <a:prstGeom prst="rect">
-                  <a:avLst/>
-                </a:prstGeom>
-                <a:solidFill>
-                  <a:schemeClr val="tx1">
-                    <a:lumMod val="75000"/>
-                    <a:lumOff val="25000"/>
-                  </a:schemeClr>
-                </a:solidFill>
-                <a:ln>
-                  <a:noFill/>
-                </a:ln>
-              </p:spPr>
-              <p:style>
-                <a:lnRef idx="2">
-                  <a:schemeClr val="accent1">
-                    <a:lumMod val="75000"/>
-                  </a:schemeClr>
-                </a:lnRef>
-                <a:fillRef idx="1">
-                  <a:schemeClr val="accent1"/>
-                </a:fillRef>
-                <a:effectRef idx="0">
-                  <a:srgbClr val="FFFFFF"/>
-                </a:effectRef>
-                <a:fontRef idx="minor">
-                  <a:schemeClr val="lt1"/>
-                </a:fontRef>
-              </p:style>
-              <p:txBody>
-                <a:bodyPr rtlCol="0" anchor="ctr"/>
-                <a:p>
-                  <a:pPr algn="ctr"/>
-                  <a:endParaRPr lang="zh-CN" altLang="en-US"/>
-                </a:p>
-              </p:txBody>
-            </p:sp>
-            <p:cxnSp>
-              <p:nvCxnSpPr>
-                <p:cNvPr id="66" name="直接连接符 65"/>
-                <p:cNvCxnSpPr>
-                  <a:stCxn id="63" idx="2"/>
-                  <a:endCxn id="63" idx="0"/>
-                </p:cNvCxnSpPr>
-                <p:nvPr/>
-              </p:nvCxnSpPr>
-              <p:spPr>
-                <a:xfrm>
-                  <a:off x="11041" y="2376"/>
-                  <a:ext cx="5648" cy="0"/>
-                </a:xfrm>
-                <a:prstGeom prst="line">
-                  <a:avLst/>
-                </a:prstGeom>
-                <a:ln w="25400" cmpd="sng">
-                  <a:solidFill>
-                    <a:schemeClr val="bg1"/>
-                  </a:solidFill>
-                  <a:prstDash val="dash"/>
-                </a:ln>
-              </p:spPr>
-              <p:style>
-                <a:lnRef idx="2">
-                  <a:schemeClr val="accent1"/>
-                </a:lnRef>
-                <a:fillRef idx="0">
-                  <a:srgbClr val="FFFFFF"/>
-                </a:fillRef>
-                <a:effectRef idx="0">
-                  <a:srgbClr val="FFFFFF"/>
-                </a:effectRef>
-                <a:fontRef idx="minor">
-                  <a:schemeClr val="tx1"/>
-                </a:fontRef>
-              </p:style>
-            </p:cxnSp>
-            <p:cxnSp>
-              <p:nvCxnSpPr>
-                <p:cNvPr id="78" name="直接连接符 77"/>
-                <p:cNvCxnSpPr>
-                  <a:stCxn id="61" idx="0"/>
-                  <a:endCxn id="61" idx="2"/>
-                </p:cNvCxnSpPr>
-                <p:nvPr/>
-              </p:nvCxnSpPr>
-              <p:spPr>
-                <a:xfrm>
-                  <a:off x="12289" y="1272"/>
-                  <a:ext cx="0" cy="5648"/>
-                </a:xfrm>
-                <a:prstGeom prst="line">
-                  <a:avLst/>
-                </a:prstGeom>
-                <a:ln w="25400" cmpd="sng">
-                  <a:solidFill>
-                    <a:schemeClr val="bg1"/>
-                  </a:solidFill>
-                  <a:prstDash val="dash"/>
-                </a:ln>
-              </p:spPr>
-              <p:style>
-                <a:lnRef idx="2">
-                  <a:schemeClr val="accent1"/>
-                </a:lnRef>
-                <a:fillRef idx="0">
-                  <a:srgbClr val="FFFFFF"/>
-                </a:fillRef>
-                <a:effectRef idx="0">
-                  <a:srgbClr val="FFFFFF"/>
-                </a:effectRef>
-                <a:fontRef idx="minor">
-                  <a:schemeClr val="tx1"/>
-                </a:fontRef>
-              </p:style>
-            </p:cxnSp>
-            <p:cxnSp>
-              <p:nvCxnSpPr>
-                <p:cNvPr id="79" name="直接连接符 78"/>
-                <p:cNvCxnSpPr>
-                  <a:stCxn id="59" idx="0"/>
-                  <a:endCxn id="59" idx="2"/>
-                </p:cNvCxnSpPr>
-                <p:nvPr/>
-              </p:nvCxnSpPr>
-              <p:spPr>
-                <a:xfrm>
-                  <a:off x="13865" y="1272"/>
-                  <a:ext cx="0" cy="5648"/>
-                </a:xfrm>
-                <a:prstGeom prst="line">
-                  <a:avLst/>
-                </a:prstGeom>
-                <a:ln w="25400" cmpd="sng">
-                  <a:solidFill>
-                    <a:schemeClr val="bg1"/>
-                  </a:solidFill>
-                  <a:prstDash val="dash"/>
-                </a:ln>
-              </p:spPr>
-              <p:style>
-                <a:lnRef idx="2">
-                  <a:schemeClr val="accent1"/>
-                </a:lnRef>
-                <a:fillRef idx="0">
-                  <a:srgbClr val="FFFFFF"/>
-                </a:fillRef>
-                <a:effectRef idx="0">
-                  <a:srgbClr val="FFFFFF"/>
-                </a:effectRef>
-                <a:fontRef idx="minor">
-                  <a:schemeClr val="tx1"/>
-                </a:fontRef>
-              </p:style>
-            </p:cxnSp>
-            <p:cxnSp>
-              <p:nvCxnSpPr>
-                <p:cNvPr id="80" name="直接连接符 79"/>
-                <p:cNvCxnSpPr>
-                  <a:stCxn id="62" idx="0"/>
-                </p:cNvCxnSpPr>
-                <p:nvPr/>
-              </p:nvCxnSpPr>
-              <p:spPr>
-                <a:xfrm>
-                  <a:off x="15441" y="1272"/>
-                  <a:ext cx="48" cy="5844"/>
-                </a:xfrm>
-                <a:prstGeom prst="line">
-                  <a:avLst/>
-                </a:prstGeom>
-                <a:ln w="25400" cmpd="sng">
-                  <a:solidFill>
-                    <a:schemeClr val="bg1"/>
-                  </a:solidFill>
-                  <a:prstDash val="dash"/>
-                </a:ln>
-              </p:spPr>
-              <p:style>
-                <a:lnRef idx="2">
-                  <a:schemeClr val="accent1"/>
-                </a:lnRef>
-                <a:fillRef idx="0">
-                  <a:srgbClr val="FFFFFF"/>
-                </a:fillRef>
-                <a:effectRef idx="0">
-                  <a:srgbClr val="FFFFFF"/>
-                </a:effectRef>
-                <a:fontRef idx="minor">
-                  <a:schemeClr val="tx1"/>
-                </a:fontRef>
-              </p:style>
-            </p:cxnSp>
-            <p:cxnSp>
-              <p:nvCxnSpPr>
-                <p:cNvPr id="81" name="直接连接符 80"/>
-                <p:cNvCxnSpPr>
-                  <a:stCxn id="64" idx="2"/>
-                  <a:endCxn id="64" idx="0"/>
-                </p:cNvCxnSpPr>
-                <p:nvPr/>
-              </p:nvCxnSpPr>
-              <p:spPr>
-                <a:xfrm>
-                  <a:off x="11041" y="4096"/>
-                  <a:ext cx="5648" cy="0"/>
-                </a:xfrm>
-                <a:prstGeom prst="line">
-                  <a:avLst/>
-                </a:prstGeom>
-                <a:ln w="25400" cmpd="sng">
-                  <a:solidFill>
-                    <a:schemeClr val="bg1"/>
-                  </a:solidFill>
-                  <a:prstDash val="dash"/>
-                </a:ln>
-              </p:spPr>
-              <p:style>
-                <a:lnRef idx="2">
-                  <a:schemeClr val="accent1"/>
-                </a:lnRef>
-                <a:fillRef idx="0">
-                  <a:srgbClr val="FFFFFF"/>
-                </a:fillRef>
-                <a:effectRef idx="0">
-                  <a:srgbClr val="FFFFFF"/>
-                </a:effectRef>
-                <a:fontRef idx="minor">
-                  <a:schemeClr val="tx1"/>
-                </a:fontRef>
-              </p:style>
-            </p:cxnSp>
-            <p:cxnSp>
-              <p:nvCxnSpPr>
-                <p:cNvPr id="82" name="直接连接符 81"/>
-                <p:cNvCxnSpPr>
-                  <a:stCxn id="65" idx="2"/>
-                  <a:endCxn id="65" idx="0"/>
-                </p:cNvCxnSpPr>
-                <p:nvPr/>
-              </p:nvCxnSpPr>
-              <p:spPr>
-                <a:xfrm>
-                  <a:off x="11041" y="5816"/>
-                  <a:ext cx="5648" cy="0"/>
-                </a:xfrm>
-                <a:prstGeom prst="line">
-                  <a:avLst/>
-                </a:prstGeom>
-                <a:ln w="25400" cmpd="sng">
-                  <a:solidFill>
-                    <a:schemeClr val="bg1"/>
-                  </a:solidFill>
-                  <a:prstDash val="dash"/>
-                </a:ln>
-              </p:spPr>
-              <p:style>
-                <a:lnRef idx="2">
-                  <a:schemeClr val="accent1"/>
-                </a:lnRef>
-                <a:fillRef idx="0">
-                  <a:srgbClr val="FFFFFF"/>
-                </a:fillRef>
-                <a:effectRef idx="0">
-                  <a:srgbClr val="FFFFFF"/>
-                </a:effectRef>
-                <a:fontRef idx="minor">
-                  <a:schemeClr val="tx1"/>
-                </a:fontRef>
-              </p:style>
-            </p:cxnSp>
-          </p:grpSp>
-          <p:pic>
-            <p:nvPicPr>
-              <p:cNvPr id="5" name="图片 4" descr="交通灯红绿灯"/>
-              <p:cNvPicPr>
-                <a:picLocks noChangeAspect="1"/>
-              </p:cNvPicPr>
-              <p:nvPr/>
-            </p:nvPicPr>
-            <p:blipFill>
-              <a:blip r:embed="rId1">
-                <a:extLst>
-                  <a:ext uri="{96DAC541-7B7A-43D3-8B79-37D633B846F1}">
-                    <asvg:svgBlip xmlns:asvg="http://schemas.microsoft.com/office/drawing/2016/SVG/main" r:embed="rId2"/>
-                  </a:ext>
-                </a:extLst>
-              </a:blip>
-              <a:stretch>
-                <a:fillRect/>
-              </a:stretch>
-            </p:blipFill>
-            <p:spPr>
-              <a:xfrm>
-                <a:off x="4300" y="5488"/>
-                <a:ext cx="713" cy="713"/>
-              </a:xfrm>
-              <a:prstGeom prst="rect">
-                <a:avLst/>
-              </a:prstGeom>
-            </p:spPr>
-          </p:pic>
-          <p:pic>
-            <p:nvPicPr>
-              <p:cNvPr id="6" name="图片 5" descr="交通灯红绿灯"/>
-              <p:cNvPicPr>
-                <a:picLocks noChangeAspect="1"/>
-              </p:cNvPicPr>
-              <p:nvPr/>
-            </p:nvPicPr>
-            <p:blipFill>
-              <a:blip r:embed="rId1">
-                <a:extLst>
-                  <a:ext uri="{96DAC541-7B7A-43D3-8B79-37D633B846F1}">
-                    <asvg:svgBlip xmlns:asvg="http://schemas.microsoft.com/office/drawing/2016/SVG/main" r:embed="rId2"/>
-                  </a:ext>
-                </a:extLst>
-              </a:blip>
-              <a:stretch>
-                <a:fillRect/>
-              </a:stretch>
-            </p:blipFill>
-            <p:spPr>
-              <a:xfrm>
-                <a:off x="5427" y="4845"/>
-                <a:ext cx="713" cy="713"/>
-              </a:xfrm>
-              <a:prstGeom prst="rect">
-                <a:avLst/>
-              </a:prstGeom>
-            </p:spPr>
-          </p:pic>
-          <p:pic>
-            <p:nvPicPr>
-              <p:cNvPr id="7" name="图片 6" descr="交通灯红绿灯"/>
-              <p:cNvPicPr>
-                <a:picLocks noChangeAspect="1"/>
-              </p:cNvPicPr>
-              <p:nvPr/>
-            </p:nvPicPr>
-            <p:blipFill>
-              <a:blip r:embed="rId1">
-                <a:extLst>
-                  <a:ext uri="{96DAC541-7B7A-43D3-8B79-37D633B846F1}">
-                    <asvg:svgBlip xmlns:asvg="http://schemas.microsoft.com/office/drawing/2016/SVG/main" r:embed="rId2"/>
-                  </a:ext>
-                </a:extLst>
-              </a:blip>
-              <a:stretch>
-                <a:fillRect/>
-              </a:stretch>
-            </p:blipFill>
-            <p:spPr>
-              <a:xfrm>
-                <a:off x="6627" y="4202"/>
-                <a:ext cx="713" cy="713"/>
-              </a:xfrm>
-              <a:prstGeom prst="rect">
-                <a:avLst/>
-              </a:prstGeom>
-            </p:spPr>
-          </p:pic>
-          <p:pic>
-            <p:nvPicPr>
-              <p:cNvPr id="8" name="图片 7" descr="交通灯红绿灯"/>
-              <p:cNvPicPr>
-                <a:picLocks noChangeAspect="1"/>
-              </p:cNvPicPr>
-              <p:nvPr/>
-            </p:nvPicPr>
-            <p:blipFill>
-              <a:blip r:embed="rId1">
-                <a:extLst>
-                  <a:ext uri="{96DAC541-7B7A-43D3-8B79-37D633B846F1}">
-                    <asvg:svgBlip xmlns:asvg="http://schemas.microsoft.com/office/drawing/2016/SVG/main" r:embed="rId2"/>
-                  </a:ext>
-                </a:extLst>
-              </a:blip>
-              <a:stretch>
-                <a:fillRect/>
-              </a:stretch>
-            </p:blipFill>
-            <p:spPr>
-              <a:xfrm>
-                <a:off x="5572" y="6201"/>
-                <a:ext cx="713" cy="713"/>
-              </a:xfrm>
-              <a:prstGeom prst="rect">
-                <a:avLst/>
-              </a:prstGeom>
-            </p:spPr>
-          </p:pic>
-          <p:pic>
-            <p:nvPicPr>
-              <p:cNvPr id="9" name="图片 8" descr="交通灯红绿灯"/>
-              <p:cNvPicPr>
-                <a:picLocks noChangeAspect="1"/>
-              </p:cNvPicPr>
-              <p:nvPr/>
-            </p:nvPicPr>
-            <p:blipFill>
-              <a:blip r:embed="rId1">
-                <a:extLst>
-                  <a:ext uri="{96DAC541-7B7A-43D3-8B79-37D633B846F1}">
-                    <asvg:svgBlip xmlns:asvg="http://schemas.microsoft.com/office/drawing/2016/SVG/main" r:embed="rId2"/>
-                  </a:ext>
-                </a:extLst>
-              </a:blip>
-              <a:stretch>
-                <a:fillRect/>
-              </a:stretch>
-            </p:blipFill>
-            <p:spPr>
-              <a:xfrm>
-                <a:off x="6700" y="5488"/>
-                <a:ext cx="713" cy="713"/>
-              </a:xfrm>
-              <a:prstGeom prst="rect">
-                <a:avLst/>
-              </a:prstGeom>
-            </p:spPr>
-          </p:pic>
-          <p:pic>
-            <p:nvPicPr>
-              <p:cNvPr id="10" name="图片 9" descr="交通灯红绿灯"/>
-              <p:cNvPicPr>
-                <a:picLocks noChangeAspect="1"/>
-              </p:cNvPicPr>
-              <p:nvPr/>
-            </p:nvPicPr>
-            <p:blipFill>
-              <a:blip r:embed="rId1">
-                <a:extLst>
-                  <a:ext uri="{96DAC541-7B7A-43D3-8B79-37D633B846F1}">
-                    <asvg:svgBlip xmlns:asvg="http://schemas.microsoft.com/office/drawing/2016/SVG/main" r:embed="rId2"/>
-                  </a:ext>
-                </a:extLst>
-              </a:blip>
-              <a:stretch>
-                <a:fillRect/>
-              </a:stretch>
-            </p:blipFill>
-            <p:spPr>
-              <a:xfrm>
-                <a:off x="7827" y="4845"/>
-                <a:ext cx="713" cy="713"/>
-              </a:xfrm>
-              <a:prstGeom prst="rect">
-                <a:avLst/>
-              </a:prstGeom>
-            </p:spPr>
-          </p:pic>
-          <p:pic>
-            <p:nvPicPr>
-              <p:cNvPr id="11" name="图片 10" descr="交通灯红绿灯"/>
-              <p:cNvPicPr>
-                <a:picLocks noChangeAspect="1"/>
-              </p:cNvPicPr>
-              <p:nvPr/>
-            </p:nvPicPr>
-            <p:blipFill>
-              <a:blip r:embed="rId1">
-                <a:extLst>
-                  <a:ext uri="{96DAC541-7B7A-43D3-8B79-37D633B846F1}">
-                    <asvg:svgBlip xmlns:asvg="http://schemas.microsoft.com/office/drawing/2016/SVG/main" r:embed="rId2"/>
-                  </a:ext>
-                </a:extLst>
-              </a:blip>
-              <a:stretch>
-                <a:fillRect/>
-              </a:stretch>
-            </p:blipFill>
-            <p:spPr>
-              <a:xfrm>
-                <a:off x="6767" y="6845"/>
-                <a:ext cx="713" cy="713"/>
-              </a:xfrm>
-              <a:prstGeom prst="rect">
-                <a:avLst/>
-              </a:prstGeom>
-            </p:spPr>
-          </p:pic>
-          <p:pic>
-            <p:nvPicPr>
-              <p:cNvPr id="12" name="图片 11" descr="交通灯红绿灯"/>
-              <p:cNvPicPr>
-                <a:picLocks noChangeAspect="1"/>
-              </p:cNvPicPr>
-              <p:nvPr/>
-            </p:nvPicPr>
-            <p:blipFill>
-              <a:blip r:embed="rId1">
-                <a:extLst>
-                  <a:ext uri="{96DAC541-7B7A-43D3-8B79-37D633B846F1}">
-                    <asvg:svgBlip xmlns:asvg="http://schemas.microsoft.com/office/drawing/2016/SVG/main" r:embed="rId2"/>
-                  </a:ext>
-                </a:extLst>
-              </a:blip>
-              <a:stretch>
-                <a:fillRect/>
-              </a:stretch>
-            </p:blipFill>
-            <p:spPr>
-              <a:xfrm>
-                <a:off x="7864" y="6201"/>
-                <a:ext cx="713" cy="713"/>
-              </a:xfrm>
-              <a:prstGeom prst="rect">
-                <a:avLst/>
-              </a:prstGeom>
-            </p:spPr>
-          </p:pic>
-          <p:pic>
-            <p:nvPicPr>
-              <p:cNvPr id="13" name="图片 12" descr="交通灯红绿灯"/>
-              <p:cNvPicPr>
-                <a:picLocks noChangeAspect="1"/>
-              </p:cNvPicPr>
-              <p:nvPr/>
-            </p:nvPicPr>
-            <p:blipFill>
-              <a:blip r:embed="rId1">
-                <a:extLst>
-                  <a:ext uri="{96DAC541-7B7A-43D3-8B79-37D633B846F1}">
-                    <asvg:svgBlip xmlns:asvg="http://schemas.microsoft.com/office/drawing/2016/SVG/main" r:embed="rId2"/>
-                  </a:ext>
-                </a:extLst>
-              </a:blip>
-              <a:stretch>
-                <a:fillRect/>
-              </a:stretch>
-            </p:blipFill>
-            <p:spPr>
-              <a:xfrm>
-                <a:off x="9100" y="5558"/>
-                <a:ext cx="713" cy="713"/>
-              </a:xfrm>
-              <a:prstGeom prst="rect">
-                <a:avLst/>
-              </a:prstGeom>
-            </p:spPr>
-          </p:pic>
-          <p:sp>
-            <p:nvSpPr>
-              <p:cNvPr id="14" name="椭圆 13"/>
-              <p:cNvSpPr/>
-              <p:nvPr/>
-            </p:nvSpPr>
-            <p:spPr>
-              <a:xfrm>
-                <a:off x="4096" y="5348"/>
-                <a:ext cx="1133" cy="1133"/>
-              </a:xfrm>
-              <a:prstGeom prst="ellipse">
-                <a:avLst/>
-              </a:prstGeom>
-              <a:noFill/>
-              <a:ln w="12700" cmpd="sng">
-                <a:solidFill>
-                  <a:srgbClr val="C00000"/>
-                </a:solidFill>
-                <a:prstDash val="dash"/>
-              </a:ln>
-            </p:spPr>
-            <p:style>
-              <a:lnRef idx="2">
-                <a:schemeClr val="accent1">
-                  <a:lumMod val="75000"/>
-                </a:schemeClr>
-              </a:lnRef>
-              <a:fillRef idx="1">
-                <a:schemeClr val="accent1"/>
-              </a:fillRef>
-              <a:effectRef idx="0">
-                <a:srgbClr val="FFFFFF"/>
-              </a:effectRef>
-              <a:fontRef idx="minor">
-                <a:schemeClr val="lt1"/>
-              </a:fontRef>
-            </p:style>
-            <p:txBody>
-              <a:bodyPr rtlCol="0" anchor="ctr"/>
-              <a:p>
-                <a:pPr algn="ctr"/>
-                <a:endParaRPr lang="zh-CN" altLang="en-US"/>
-              </a:p>
-            </p:txBody>
-          </p:sp>
-          <p:sp>
-            <p:nvSpPr>
-              <p:cNvPr id="15" name="椭圆 14"/>
-              <p:cNvSpPr/>
-              <p:nvPr/>
-            </p:nvSpPr>
-            <p:spPr>
-              <a:xfrm>
-                <a:off x="5208" y="4635"/>
-                <a:ext cx="1133" cy="1133"/>
-              </a:xfrm>
-              <a:prstGeom prst="ellipse">
-                <a:avLst/>
-              </a:prstGeom>
-              <a:noFill/>
-              <a:ln w="12700" cmpd="sng">
-                <a:solidFill>
-                  <a:srgbClr val="C00000"/>
-                </a:solidFill>
-                <a:prstDash val="dash"/>
-              </a:ln>
-            </p:spPr>
-            <p:style>
-              <a:lnRef idx="2">
-                <a:schemeClr val="accent1">
-                  <a:lumMod val="75000"/>
-                </a:schemeClr>
-              </a:lnRef>
-              <a:fillRef idx="1">
-                <a:schemeClr val="accent1"/>
-              </a:fillRef>
-              <a:effectRef idx="0">
-                <a:srgbClr val="FFFFFF"/>
-              </a:effectRef>
-              <a:fontRef idx="minor">
-                <a:schemeClr val="lt1"/>
-              </a:fontRef>
-            </p:style>
-            <p:txBody>
-              <a:bodyPr rtlCol="0" anchor="ctr"/>
-              <a:p>
-                <a:pPr algn="ctr"/>
-                <a:endParaRPr lang="zh-CN" altLang="en-US"/>
-              </a:p>
-            </p:txBody>
-          </p:sp>
-          <p:sp>
-            <p:nvSpPr>
-              <p:cNvPr id="16" name="椭圆 15"/>
-              <p:cNvSpPr/>
-              <p:nvPr/>
-            </p:nvSpPr>
-            <p:spPr>
-              <a:xfrm>
-                <a:off x="6417" y="4005"/>
-                <a:ext cx="1133" cy="1133"/>
-              </a:xfrm>
-              <a:prstGeom prst="ellipse">
-                <a:avLst/>
-              </a:prstGeom>
-              <a:noFill/>
-              <a:ln w="12700" cmpd="sng">
-                <a:solidFill>
-                  <a:srgbClr val="C00000"/>
-                </a:solidFill>
-                <a:prstDash val="dash"/>
-              </a:ln>
-            </p:spPr>
-            <p:style>
-              <a:lnRef idx="2">
-                <a:schemeClr val="accent1">
-                  <a:lumMod val="75000"/>
-                </a:schemeClr>
-              </a:lnRef>
-              <a:fillRef idx="1">
-                <a:schemeClr val="accent1"/>
-              </a:fillRef>
-              <a:effectRef idx="0">
-                <a:srgbClr val="FFFFFF"/>
-              </a:effectRef>
-              <a:fontRef idx="minor">
-                <a:schemeClr val="lt1"/>
-              </a:fontRef>
-            </p:style>
-            <p:txBody>
-              <a:bodyPr rtlCol="0" anchor="ctr"/>
-              <a:p>
-                <a:pPr algn="ctr"/>
-                <a:endParaRPr lang="zh-CN" altLang="en-US"/>
-              </a:p>
-            </p:txBody>
-          </p:sp>
-          <p:sp>
-            <p:nvSpPr>
-              <p:cNvPr id="17" name="椭圆 16"/>
-              <p:cNvSpPr/>
-              <p:nvPr/>
-            </p:nvSpPr>
-            <p:spPr>
-              <a:xfrm>
-                <a:off x="5362" y="6034"/>
-                <a:ext cx="1133" cy="1133"/>
-              </a:xfrm>
-              <a:prstGeom prst="ellipse">
-                <a:avLst/>
-              </a:prstGeom>
-              <a:noFill/>
-              <a:ln w="12700" cmpd="sng">
-                <a:solidFill>
-                  <a:srgbClr val="C00000"/>
-                </a:solidFill>
-                <a:prstDash val="dash"/>
-              </a:ln>
-            </p:spPr>
-            <p:style>
-              <a:lnRef idx="2">
-                <a:schemeClr val="accent1">
-                  <a:lumMod val="75000"/>
-                </a:schemeClr>
-              </a:lnRef>
-              <a:fillRef idx="1">
-                <a:schemeClr val="accent1"/>
-              </a:fillRef>
-              <a:effectRef idx="0">
-                <a:srgbClr val="FFFFFF"/>
-              </a:effectRef>
-              <a:fontRef idx="minor">
-                <a:schemeClr val="lt1"/>
-              </a:fontRef>
-            </p:style>
-            <p:txBody>
-              <a:bodyPr rtlCol="0" anchor="ctr"/>
-              <a:p>
-                <a:pPr algn="ctr"/>
-                <a:endParaRPr lang="zh-CN" altLang="en-US"/>
-              </a:p>
-            </p:txBody>
-          </p:sp>
-          <p:sp>
-            <p:nvSpPr>
-              <p:cNvPr id="18" name="椭圆 17"/>
-              <p:cNvSpPr/>
-              <p:nvPr/>
-            </p:nvSpPr>
-            <p:spPr>
-              <a:xfrm>
-                <a:off x="6472" y="5349"/>
-                <a:ext cx="1133" cy="1133"/>
-              </a:xfrm>
-              <a:prstGeom prst="ellipse">
-                <a:avLst/>
-              </a:prstGeom>
-              <a:noFill/>
-              <a:ln w="12700" cmpd="sng">
-                <a:solidFill>
-                  <a:srgbClr val="C00000"/>
-                </a:solidFill>
-                <a:prstDash val="dash"/>
-              </a:ln>
-            </p:spPr>
-            <p:style>
-              <a:lnRef idx="2">
-                <a:schemeClr val="accent1">
-                  <a:lumMod val="75000"/>
-                </a:schemeClr>
-              </a:lnRef>
-              <a:fillRef idx="1">
-                <a:schemeClr val="accent1"/>
-              </a:fillRef>
-              <a:effectRef idx="0">
-                <a:srgbClr val="FFFFFF"/>
-              </a:effectRef>
-              <a:fontRef idx="minor">
-                <a:schemeClr val="lt1"/>
-              </a:fontRef>
-            </p:style>
-            <p:txBody>
-              <a:bodyPr rtlCol="0" anchor="ctr"/>
-              <a:p>
-                <a:pPr algn="ctr"/>
-                <a:endParaRPr lang="zh-CN" altLang="en-US"/>
-              </a:p>
-            </p:txBody>
-          </p:sp>
-          <p:sp>
-            <p:nvSpPr>
-              <p:cNvPr id="19" name="椭圆 18"/>
-              <p:cNvSpPr/>
-              <p:nvPr/>
-            </p:nvSpPr>
-            <p:spPr>
-              <a:xfrm>
-                <a:off x="7626" y="4775"/>
-                <a:ext cx="1133" cy="1133"/>
-              </a:xfrm>
-              <a:prstGeom prst="ellipse">
-                <a:avLst/>
-              </a:prstGeom>
-              <a:noFill/>
-              <a:ln w="12700" cmpd="sng">
-                <a:solidFill>
-                  <a:srgbClr val="C00000"/>
-                </a:solidFill>
-                <a:prstDash val="dash"/>
-              </a:ln>
-            </p:spPr>
-            <p:style>
-              <a:lnRef idx="2">
-                <a:schemeClr val="accent1">
-                  <a:lumMod val="75000"/>
-                </a:schemeClr>
-              </a:lnRef>
-              <a:fillRef idx="1">
-                <a:schemeClr val="accent1"/>
-              </a:fillRef>
-              <a:effectRef idx="0">
-                <a:srgbClr val="FFFFFF"/>
-              </a:effectRef>
-              <a:fontRef idx="minor">
-                <a:schemeClr val="lt1"/>
-              </a:fontRef>
-            </p:style>
-            <p:txBody>
-              <a:bodyPr rtlCol="0" anchor="ctr"/>
-              <a:p>
-                <a:pPr algn="ctr"/>
-                <a:endParaRPr lang="zh-CN" altLang="en-US"/>
-              </a:p>
-            </p:txBody>
-          </p:sp>
-          <p:sp>
-            <p:nvSpPr>
-              <p:cNvPr id="20" name="椭圆 19"/>
-              <p:cNvSpPr/>
-              <p:nvPr/>
-            </p:nvSpPr>
-            <p:spPr>
-              <a:xfrm>
-                <a:off x="6557" y="6693"/>
-                <a:ext cx="1133" cy="1133"/>
-              </a:xfrm>
-              <a:prstGeom prst="ellipse">
-                <a:avLst/>
-              </a:prstGeom>
-              <a:noFill/>
-              <a:ln w="12700" cmpd="sng">
-                <a:solidFill>
-                  <a:srgbClr val="C00000"/>
-                </a:solidFill>
-                <a:prstDash val="dash"/>
-              </a:ln>
-            </p:spPr>
-            <p:style>
-              <a:lnRef idx="2">
-                <a:schemeClr val="accent1">
-                  <a:lumMod val="75000"/>
-                </a:schemeClr>
-              </a:lnRef>
-              <a:fillRef idx="1">
-                <a:schemeClr val="accent1"/>
-              </a:fillRef>
-              <a:effectRef idx="0">
-                <a:srgbClr val="FFFFFF"/>
-              </a:effectRef>
-              <a:fontRef idx="minor">
-                <a:schemeClr val="lt1"/>
-              </a:fontRef>
-            </p:style>
-            <p:txBody>
-              <a:bodyPr rtlCol="0" anchor="ctr"/>
-              <a:p>
-                <a:pPr algn="ctr"/>
-                <a:endParaRPr lang="zh-CN" altLang="en-US"/>
-              </a:p>
-            </p:txBody>
-          </p:sp>
-          <p:sp>
-            <p:nvSpPr>
-              <p:cNvPr id="21" name="椭圆 20"/>
-              <p:cNvSpPr/>
-              <p:nvPr/>
-            </p:nvSpPr>
-            <p:spPr>
-              <a:xfrm>
-                <a:off x="7656" y="6034"/>
-                <a:ext cx="1133" cy="1133"/>
-              </a:xfrm>
-              <a:prstGeom prst="ellipse">
-                <a:avLst/>
-              </a:prstGeom>
-              <a:noFill/>
-              <a:ln w="12700" cmpd="sng">
-                <a:solidFill>
-                  <a:srgbClr val="C00000"/>
-                </a:solidFill>
-                <a:prstDash val="dash"/>
-              </a:ln>
-            </p:spPr>
-            <p:style>
-              <a:lnRef idx="2">
-                <a:schemeClr val="accent1">
-                  <a:lumMod val="75000"/>
-                </a:schemeClr>
-              </a:lnRef>
-              <a:fillRef idx="1">
-                <a:schemeClr val="accent1"/>
-              </a:fillRef>
-              <a:effectRef idx="0">
-                <a:srgbClr val="FFFFFF"/>
-              </a:effectRef>
-              <a:fontRef idx="minor">
-                <a:schemeClr val="lt1"/>
-              </a:fontRef>
-            </p:style>
-            <p:txBody>
-              <a:bodyPr rtlCol="0" anchor="ctr"/>
-              <a:p>
-                <a:pPr algn="ctr"/>
-                <a:endParaRPr lang="zh-CN" altLang="en-US"/>
-              </a:p>
-            </p:txBody>
-          </p:sp>
-          <p:sp>
-            <p:nvSpPr>
-              <p:cNvPr id="22" name="椭圆 21"/>
-              <p:cNvSpPr/>
-              <p:nvPr/>
-            </p:nvSpPr>
-            <p:spPr>
-              <a:xfrm>
-                <a:off x="8852" y="5365"/>
-                <a:ext cx="1133" cy="1133"/>
-              </a:xfrm>
-              <a:prstGeom prst="ellipse">
-                <a:avLst/>
-              </a:prstGeom>
-              <a:noFill/>
-              <a:ln w="12700" cmpd="sng">
-                <a:solidFill>
-                  <a:srgbClr val="C00000"/>
-                </a:solidFill>
-                <a:prstDash val="dash"/>
-              </a:ln>
-            </p:spPr>
-            <p:style>
-              <a:lnRef idx="2">
-                <a:schemeClr val="accent1">
-                  <a:lumMod val="75000"/>
-                </a:schemeClr>
-              </a:lnRef>
-              <a:fillRef idx="1">
-                <a:schemeClr val="accent1"/>
-              </a:fillRef>
-              <a:effectRef idx="0">
-                <a:srgbClr val="FFFFFF"/>
-              </a:effectRef>
-              <a:fontRef idx="minor">
-                <a:schemeClr val="lt1"/>
-              </a:fontRef>
-            </p:style>
-            <p:txBody>
-              <a:bodyPr rtlCol="0" anchor="ctr"/>
-              <a:p>
-                <a:pPr algn="ctr"/>
-                <a:endParaRPr lang="zh-CN" altLang="en-US"/>
-              </a:p>
-            </p:txBody>
-          </p:sp>
-          <p:sp>
-            <p:nvSpPr>
-              <p:cNvPr id="24" name="圆角矩形 23"/>
-              <p:cNvSpPr/>
-              <p:nvPr/>
-            </p:nvSpPr>
-            <p:spPr>
-              <a:xfrm>
-                <a:off x="3360" y="3600"/>
-                <a:ext cx="7123" cy="4960"/>
-              </a:xfrm>
-              <a:prstGeom prst="roundRect">
-                <a:avLst>
-                  <a:gd name="adj" fmla="val 4556"/>
-                </a:avLst>
-              </a:prstGeom>
-              <a:noFill/>
-              <a:ln>
-                <a:solidFill>
-                  <a:schemeClr val="tx1"/>
-                </a:solidFill>
-              </a:ln>
-            </p:spPr>
-            <p:style>
-              <a:lnRef idx="2">
-                <a:schemeClr val="accent1">
-                  <a:lumMod val="75000"/>
-                </a:schemeClr>
-              </a:lnRef>
-              <a:fillRef idx="1">
-                <a:schemeClr val="accent1"/>
-              </a:fillRef>
-              <a:effectRef idx="0">
-                <a:srgbClr val="FFFFFF"/>
-              </a:effectRef>
-              <a:fontRef idx="minor">
-                <a:schemeClr val="lt1"/>
-              </a:fontRef>
-            </p:style>
-            <p:txBody>
-              <a:bodyPr rtlCol="0" anchor="ctr"/>
-              <a:p>
-                <a:pPr algn="ctr"/>
-                <a:endParaRPr lang="zh-CN" altLang="en-US"/>
-              </a:p>
-            </p:txBody>
-          </p:sp>
-          <p:sp>
-            <p:nvSpPr>
-              <p:cNvPr id="25" name="文本框 24"/>
-              <p:cNvSpPr txBox="1"/>
-              <p:nvPr/>
-            </p:nvSpPr>
-            <p:spPr>
-              <a:xfrm>
-                <a:off x="3648" y="3630"/>
-                <a:ext cx="3119" cy="580"/>
-              </a:xfrm>
-              <a:prstGeom prst="rect">
-                <a:avLst/>
-              </a:prstGeom>
-              <a:noFill/>
-            </p:spPr>
-            <p:txBody>
-              <a:bodyPr wrap="square" rtlCol="0">
-                <a:spAutoFit/>
-              </a:bodyPr>
-              <a:p>
-                <a:r>
-                  <a:rPr lang="en-US" altLang="zh-CN" b="1">
-                    <a:latin typeface="Times New Roman" panose="02020603050405020304" pitchFamily="18" charset="0"/>
-                    <a:cs typeface="Times New Roman" panose="02020603050405020304" pitchFamily="18" charset="0"/>
-                  </a:rPr>
-                  <a:t>Road Network</a:t>
-                </a:r>
-                <a:endParaRPr lang="en-US" altLang="zh-CN" b="1">
-                  <a:latin typeface="Times New Roman" panose="02020603050405020304" pitchFamily="18" charset="0"/>
-                  <a:cs typeface="Times New Roman" panose="02020603050405020304" pitchFamily="18" charset="0"/>
-                </a:endParaRPr>
-              </a:p>
-            </p:txBody>
-          </p:sp>
-          <p:sp>
-            <p:nvSpPr>
-              <p:cNvPr id="178" name="圆角矩形 177"/>
-              <p:cNvSpPr/>
-              <p:nvPr/>
-            </p:nvSpPr>
-            <p:spPr>
-              <a:xfrm>
-                <a:off x="8090" y="9162"/>
-                <a:ext cx="2366" cy="884"/>
-              </a:xfrm>
-              <a:prstGeom prst="roundRect">
-                <a:avLst/>
-              </a:prstGeom>
-              <a:ln>
-                <a:solidFill>
-                  <a:srgbClr val="00B050"/>
-                </a:solidFill>
-              </a:ln>
-            </p:spPr>
-            <p:style>
-              <a:lnRef idx="3">
-                <a:schemeClr val="accent1"/>
-              </a:lnRef>
-              <a:fillRef idx="0">
-                <a:srgbClr val="FFFFFF"/>
-              </a:fillRef>
-              <a:effectRef idx="0">
-                <a:srgbClr val="FFFFFF"/>
-              </a:effectRef>
-              <a:fontRef idx="minor">
-                <a:schemeClr val="tx1"/>
-              </a:fontRef>
-            </p:style>
-            <p:txBody>
-              <a:bodyPr rtlCol="0" anchor="ctr"/>
-              <a:p>
-                <a:pPr algn="ctr"/>
-                <a:r>
-                  <a:rPr lang="en-US" altLang="zh-CN" b="1">
-                    <a:latin typeface="Times New Roman" panose="02020603050405020304" pitchFamily="18" charset="0"/>
-                    <a:ea typeface="宋体" panose="02010600030101010101" pitchFamily="2" charset="-122"/>
-                    <a:cs typeface="Times New Roman" panose="02020603050405020304" pitchFamily="18" charset="0"/>
-                  </a:rPr>
-                  <a:t>Action</a:t>
-                </a:r>
-                <a:endParaRPr lang="en-US" altLang="zh-CN" b="1">
-                  <a:latin typeface="Times New Roman" panose="02020603050405020304" pitchFamily="18" charset="0"/>
-                  <a:ea typeface="宋体" panose="02010600030101010101" pitchFamily="2" charset="-122"/>
-                  <a:cs typeface="Times New Roman" panose="02020603050405020304" pitchFamily="18" charset="0"/>
-                </a:endParaRPr>
-              </a:p>
-            </p:txBody>
-          </p:sp>
-          <p:cxnSp>
-            <p:nvCxnSpPr>
-              <p:cNvPr id="194" name="直接连接符 193"/>
-              <p:cNvCxnSpPr>
-                <a:stCxn id="12" idx="2"/>
-                <a:endCxn id="178" idx="0"/>
-              </p:cNvCxnSpPr>
-              <p:nvPr/>
-            </p:nvCxnSpPr>
-            <p:spPr>
-              <a:xfrm>
-                <a:off x="8221" y="6914"/>
-                <a:ext cx="1052" cy="2248"/>
-              </a:xfrm>
-              <a:prstGeom prst="line">
-                <a:avLst/>
-              </a:prstGeom>
-              <a:ln>
-                <a:solidFill>
-                  <a:srgbClr val="00B050"/>
-                </a:solidFill>
-              </a:ln>
-            </p:spPr>
-            <p:style>
-              <a:lnRef idx="2">
-                <a:schemeClr val="accent1"/>
-              </a:lnRef>
-              <a:fillRef idx="0">
-                <a:srgbClr val="FFFFFF"/>
-              </a:fillRef>
-              <a:effectRef idx="0">
-                <a:srgbClr val="FFFFFF"/>
-              </a:effectRef>
-              <a:fontRef idx="minor">
-                <a:schemeClr val="tx1"/>
-              </a:fontRef>
-            </p:style>
-          </p:cxnSp>
-          <p:cxnSp>
-            <p:nvCxnSpPr>
-              <p:cNvPr id="195" name="直接连接符 194"/>
-              <p:cNvCxnSpPr>
-                <a:stCxn id="13" idx="2"/>
-                <a:endCxn id="178" idx="0"/>
-              </p:cNvCxnSpPr>
-              <p:nvPr/>
-            </p:nvCxnSpPr>
-            <p:spPr>
-              <a:xfrm flipH="1">
-                <a:off x="9273" y="6271"/>
-                <a:ext cx="184" cy="2891"/>
-              </a:xfrm>
-              <a:prstGeom prst="line">
-                <a:avLst/>
-              </a:prstGeom>
-              <a:ln>
-                <a:solidFill>
-                  <a:srgbClr val="00B050"/>
-                </a:solidFill>
-              </a:ln>
-            </p:spPr>
-            <p:style>
-              <a:lnRef idx="2">
-                <a:schemeClr val="accent1"/>
-              </a:lnRef>
-              <a:fillRef idx="0">
-                <a:srgbClr val="FFFFFF"/>
-              </a:fillRef>
-              <a:effectRef idx="0">
-                <a:srgbClr val="FFFFFF"/>
-              </a:effectRef>
-              <a:fontRef idx="minor">
-                <a:schemeClr val="tx1"/>
-              </a:fontRef>
-            </p:style>
-          </p:cxnSp>
-          <p:cxnSp>
-            <p:nvCxnSpPr>
-              <p:cNvPr id="196" name="直接连接符 195"/>
-              <p:cNvCxnSpPr>
-                <a:stCxn id="11" idx="2"/>
-                <a:endCxn id="178" idx="0"/>
-              </p:cNvCxnSpPr>
-              <p:nvPr/>
-            </p:nvCxnSpPr>
-            <p:spPr>
-              <a:xfrm>
-                <a:off x="7124" y="7558"/>
-                <a:ext cx="2149" cy="1604"/>
-              </a:xfrm>
-              <a:prstGeom prst="line">
-                <a:avLst/>
-              </a:prstGeom>
-              <a:ln>
-                <a:solidFill>
-                  <a:srgbClr val="00B050"/>
-                </a:solidFill>
-              </a:ln>
-            </p:spPr>
-            <p:style>
-              <a:lnRef idx="2">
-                <a:schemeClr val="accent1"/>
-              </a:lnRef>
-              <a:fillRef idx="0">
-                <a:srgbClr val="FFFFFF"/>
-              </a:fillRef>
-              <a:effectRef idx="0">
-                <a:srgbClr val="FFFFFF"/>
-              </a:effectRef>
-              <a:fontRef idx="minor">
-                <a:schemeClr val="tx1"/>
-              </a:fontRef>
-            </p:style>
-          </p:cxnSp>
-        </p:grpSp>
-        <p:sp>
-          <p:nvSpPr>
-            <p:cNvPr id="30" name="圆角矩形 29"/>
-            <p:cNvSpPr/>
-            <p:nvPr/>
-          </p:nvSpPr>
-          <p:spPr>
-            <a:xfrm>
-              <a:off x="3360" y="9162"/>
-              <a:ext cx="2366" cy="884"/>
-            </a:xfrm>
-            <a:prstGeom prst="roundRect">
-              <a:avLst/>
-            </a:prstGeom>
-            <a:ln>
-              <a:solidFill>
-                <a:srgbClr val="C00000"/>
-              </a:solidFill>
-            </a:ln>
-          </p:spPr>
-          <p:style>
-            <a:lnRef idx="3">
-              <a:schemeClr val="accent1"/>
-            </a:lnRef>
-            <a:fillRef idx="0">
-              <a:srgbClr val="FFFFFF"/>
-            </a:fillRef>
-            <a:effectRef idx="0">
-              <a:srgbClr val="FFFFFF"/>
-            </a:effectRef>
-            <a:fontRef idx="minor">
-              <a:schemeClr val="tx1"/>
-            </a:fontRef>
-          </p:style>
-          <p:txBody>
-            <a:bodyPr rtlCol="0" anchor="ctr"/>
-            <a:p>
-              <a:pPr algn="ctr"/>
-              <a:r>
-                <a:rPr lang="en-US" altLang="zh-CN" b="1">
-                  <a:latin typeface="Times New Roman" panose="02020603050405020304" pitchFamily="18" charset="0"/>
-                  <a:ea typeface="宋体" panose="02010600030101010101" pitchFamily="2" charset="-122"/>
-                  <a:cs typeface="Times New Roman" panose="02020603050405020304" pitchFamily="18" charset="0"/>
-                </a:rPr>
-                <a:t>Observation</a:t>
-              </a:r>
-              <a:endParaRPr lang="en-US" altLang="zh-CN" b="1">
-                <a:latin typeface="Times New Roman" panose="02020603050405020304" pitchFamily="18" charset="0"/>
-                <a:ea typeface="宋体" panose="02010600030101010101" pitchFamily="2" charset="-122"/>
-                <a:cs typeface="Times New Roman" panose="02020603050405020304" pitchFamily="18" charset="0"/>
-              </a:endParaRPr>
-            </a:p>
-          </p:txBody>
-        </p:sp>
-        <p:cxnSp>
-          <p:nvCxnSpPr>
-            <p:cNvPr id="31" name="直接连接符 30"/>
-            <p:cNvCxnSpPr>
-              <a:stCxn id="30" idx="0"/>
-              <a:endCxn id="14" idx="4"/>
-            </p:cNvCxnSpPr>
-            <p:nvPr/>
-          </p:nvCxnSpPr>
-          <p:spPr>
-            <a:xfrm flipV="1">
-              <a:off x="4543" y="6481"/>
-              <a:ext cx="147" cy="2681"/>
-            </a:xfrm>
-            <a:prstGeom prst="line">
-              <a:avLst/>
-            </a:prstGeom>
-            <a:ln w="6350">
-              <a:solidFill>
-                <a:srgbClr val="C00000"/>
-              </a:solidFill>
-            </a:ln>
-          </p:spPr>
-          <p:style>
-            <a:lnRef idx="2">
-              <a:schemeClr val="accent1"/>
-            </a:lnRef>
-            <a:fillRef idx="0">
-              <a:srgbClr val="FFFFFF"/>
-            </a:fillRef>
-            <a:effectRef idx="0">
-              <a:srgbClr val="FFFFFF"/>
-            </a:effectRef>
-            <a:fontRef idx="minor">
-              <a:schemeClr val="tx1"/>
-            </a:fontRef>
-          </p:style>
-        </p:cxnSp>
-        <p:cxnSp>
-          <p:nvCxnSpPr>
-            <p:cNvPr id="32" name="直接连接符 31"/>
-            <p:cNvCxnSpPr>
-              <a:endCxn id="20" idx="3"/>
-            </p:cNvCxnSpPr>
-            <p:nvPr/>
-          </p:nvCxnSpPr>
-          <p:spPr>
-            <a:xfrm flipV="1">
-              <a:off x="4560" y="7660"/>
-              <a:ext cx="2190" cy="1460"/>
-            </a:xfrm>
-            <a:prstGeom prst="line">
-              <a:avLst/>
-            </a:prstGeom>
-            <a:ln w="6350">
-              <a:solidFill>
-                <a:srgbClr val="C00000"/>
-              </a:solidFill>
-            </a:ln>
-          </p:spPr>
-          <p:style>
-            <a:lnRef idx="2">
-              <a:schemeClr val="accent1"/>
-            </a:lnRef>
-            <a:fillRef idx="0">
-              <a:srgbClr val="FFFFFF"/>
-            </a:fillRef>
-            <a:effectRef idx="0">
-              <a:srgbClr val="FFFFFF"/>
-            </a:effectRef>
-            <a:fontRef idx="minor">
-              <a:schemeClr val="tx1"/>
-            </a:fontRef>
-          </p:style>
-        </p:cxnSp>
-        <p:cxnSp>
-          <p:nvCxnSpPr>
-            <p:cNvPr id="33" name="直接连接符 32"/>
-            <p:cNvCxnSpPr>
-              <a:stCxn id="30" idx="0"/>
-              <a:endCxn id="17" idx="3"/>
-            </p:cNvCxnSpPr>
-            <p:nvPr/>
-          </p:nvCxnSpPr>
-          <p:spPr>
-            <a:xfrm flipV="1">
-              <a:off x="4543" y="7001"/>
-              <a:ext cx="1012" cy="2161"/>
-            </a:xfrm>
-            <a:prstGeom prst="line">
-              <a:avLst/>
-            </a:prstGeom>
-            <a:ln w="6350">
-              <a:solidFill>
-                <a:srgbClr val="C00000"/>
-              </a:solidFill>
-            </a:ln>
-          </p:spPr>
-          <p:style>
-            <a:lnRef idx="2">
-              <a:schemeClr val="accent1"/>
-            </a:lnRef>
-            <a:fillRef idx="0">
-              <a:srgbClr val="FFFFFF"/>
-            </a:fillRef>
-            <a:effectRef idx="0">
-              <a:srgbClr val="FFFFFF"/>
-            </a:effectRef>
-            <a:fontRef idx="minor">
-              <a:schemeClr val="tx1"/>
-            </a:fontRef>
-          </p:style>
-        </p:cxnSp>
-      </p:grpSp>
-      <p:sp>
-        <p:nvSpPr>
-          <p:cNvPr id="35" name="左右箭头 34"/>
-          <p:cNvSpPr/>
-          <p:nvPr/>
-        </p:nvSpPr>
+        </p:nvPicPr>
+        <p:blipFill>
+          <a:blip r:embed="rId1"/>
+          <a:stretch>
+            <a:fillRect/>
+          </a:stretch>
+        </p:blipFill>
         <p:spPr>
           <a:xfrm>
-            <a:off x="4038600" y="6019800"/>
-            <a:ext cx="1066800" cy="228600"/>
-          </a:xfrm>
-          <a:prstGeom prst="leftRightArrow">
+            <a:off x="2438400" y="2209800"/>
+            <a:ext cx="4578350" cy="4133215"/>
+          </a:xfrm>
+          <a:prstGeom prst="rect">
             <a:avLst/>
           </a:prstGeom>
         </p:spPr>
-        <p:style>
-          <a:lnRef idx="2">
-            <a:schemeClr val="accent1">
-              <a:lumMod val="75000"/>
-            </a:schemeClr>
-          </a:lnRef>
-          <a:fillRef idx="1">
-            <a:schemeClr val="accent1"/>
-          </a:fillRef>
-          <a:effectRef idx="0">
-            <a:srgbClr val="FFFFFF"/>
-          </a:effectRef>
-          <a:fontRef idx="minor">
-            <a:schemeClr val="lt1"/>
-          </a:fontRef>
-        </p:style>
-        <p:txBody>
-          <a:bodyPr rtlCol="0" anchor="ctr"/>
-          <a:p>
-            <a:pPr algn="ctr"/>
-            <a:endParaRPr lang="zh-CN" altLang="en-US"/>
-          </a:p>
-        </p:txBody>
-      </p:sp>
+      </p:pic>
     </p:spTree>
   </p:cSld>
   <p:clrMapOvr>
